--- a/presentation.pptx
+++ b/presentation.pptx
@@ -5,19 +5,21 @@
     <p:sldMasterId id="2147483648" r:id="rId1"/>
   </p:sldMasterIdLst>
   <p:notesMasterIdLst>
-    <p:notesMasterId r:id="rId9"/>
+    <p:notesMasterId r:id="rId11"/>
   </p:notesMasterIdLst>
   <p:handoutMasterIdLst>
-    <p:handoutMasterId r:id="rId10"/>
+    <p:handoutMasterId r:id="rId12"/>
   </p:handoutMasterIdLst>
   <p:sldIdLst>
     <p:sldId id="256" r:id="rId2"/>
     <p:sldId id="257" r:id="rId3"/>
     <p:sldId id="261" r:id="rId4"/>
-    <p:sldId id="258" r:id="rId5"/>
-    <p:sldId id="259" r:id="rId6"/>
-    <p:sldId id="260" r:id="rId7"/>
-    <p:sldId id="262" r:id="rId8"/>
+    <p:sldId id="263" r:id="rId5"/>
+    <p:sldId id="258" r:id="rId6"/>
+    <p:sldId id="264" r:id="rId7"/>
+    <p:sldId id="259" r:id="rId8"/>
+    <p:sldId id="260" r:id="rId9"/>
+    <p:sldId id="262" r:id="rId10"/>
   </p:sldIdLst>
   <p:sldSz cx="12192000" cy="6858000"/>
   <p:notesSz cx="6858000" cy="9144000"/>
@@ -130,7 +132,7 @@
 <file path=ppt/revisionInfo.xml><?xml version="1.0" encoding="utf-8"?>
 <p1510:revInfo xmlns:a="http://schemas.openxmlformats.org/drawingml/2006/main" xmlns:r="http://schemas.openxmlformats.org/officeDocument/2006/relationships" xmlns:p1510="http://schemas.microsoft.com/office/powerpoint/2015/10/main">
   <p1510:revLst>
-    <p1510:client id="{18691133-CD0A-4D74-857F-58B52E45132A}" v="1242" dt="2021-11-12T15:03:45.420"/>
+    <p1510:client id="{18691133-CD0A-4D74-857F-58B52E45132A}" v="1589" dt="2021-11-12T16:03:44.764"/>
   </p1510:revLst>
 </p1510:revInfo>
 </file>
@@ -6589,7 +6591,11 @@
           <a:p>
             <a:r>
               <a:rPr lang="ru-RU" dirty="0"/>
-              <a:t>7)Открытие окна изменения списка добавленных городов</a:t>
+              <a:t>7)Открытие окна изменения списка </a:t>
+            </a:r>
+            <a:r>
+              <a:rPr lang="ru-RU"/>
+              <a:t>добавленных городов(следующий слайд)</a:t>
             </a:r>
           </a:p>
         </p:txBody>
@@ -6629,7 +6635,7 @@
           <p:cNvPr id="4" name="Рисунок 4">
             <a:extLst>
               <a:ext uri="{FF2B5EF4-FFF2-40B4-BE49-F238E27FC236}">
-                <a16:creationId xmlns:a16="http://schemas.microsoft.com/office/drawing/2014/main" id="{40ECAF14-3137-4F08-907D-405977A91E24}"/>
+                <a16:creationId xmlns:a16="http://schemas.microsoft.com/office/drawing/2014/main" id="{AAD1FFCA-9C2F-4B71-836A-5300F92B17D5}"/>
               </a:ext>
             </a:extLst>
           </p:cNvPr>
@@ -6648,8 +6654,8 @@
         </p:blipFill>
         <p:spPr>
           <a:xfrm>
-            <a:off x="9442665" y="103707"/>
-            <a:ext cx="2525012" cy="6579612"/>
+            <a:off x="9813672" y="97016"/>
+            <a:ext cx="2258513" cy="6119625"/>
           </a:xfrm>
         </p:spPr>
       </p:pic>
@@ -6658,7 +6664,7 @@
           <p:cNvPr id="5" name="TextBox 4">
             <a:extLst>
               <a:ext uri="{FF2B5EF4-FFF2-40B4-BE49-F238E27FC236}">
-                <a16:creationId xmlns:a16="http://schemas.microsoft.com/office/drawing/2014/main" id="{B2A8BFD9-D1EB-463D-B70D-3C001DC43C47}"/>
+                <a16:creationId xmlns:a16="http://schemas.microsoft.com/office/drawing/2014/main" id="{028A3DA2-5749-43A9-915D-9E64C8589E7F}"/>
               </a:ext>
             </a:extLst>
           </p:cNvPr>
@@ -6667,8 +6673,8 @@
         </p:nvSpPr>
         <p:spPr>
           <a:xfrm>
-            <a:off x="468351" y="310375"/>
-            <a:ext cx="4824761" cy="2031325"/>
+            <a:off x="117764" y="152400"/>
+            <a:ext cx="3764971" cy="1200329"/>
           </a:xfrm>
           <a:prstGeom prst="rect">
             <a:avLst/>
@@ -6686,39 +6692,26 @@
           <a:p>
             <a:r>
               <a:rPr lang="ru-RU" dirty="0"/>
-              <a:t>1)Список будильников</a:t>
-            </a:r>
-          </a:p>
-          <a:p>
-            <a:r>
-              <a:rPr lang="ru-RU" dirty="0"/>
-              <a:t>2)Включение/отключение будильника</a:t>
-            </a:r>
-          </a:p>
-          <a:p>
-            <a:r>
-              <a:rPr lang="ru-RU" dirty="0"/>
-              <a:t>3)Время в которое сработает будильник(если он включён)</a:t>
-            </a:r>
-          </a:p>
-          <a:p>
-            <a:r>
-              <a:rPr lang="ru-RU" dirty="0"/>
-              <a:t>4)Удаление будильника</a:t>
-            </a:r>
-          </a:p>
-          <a:p>
-            <a:r>
-              <a:rPr lang="ru-RU" dirty="0"/>
-              <a:t>5)Открытие окна добавления будильника</a:t>
-            </a:r>
+              <a:t>1)Кнопка возврата с изменнённым списком </a:t>
+            </a:r>
+            <a:r>
+              <a:rPr lang="ru-RU"/>
+              <a:t>добавленных городов</a:t>
+            </a:r>
+          </a:p>
+          <a:p>
+            <a:r>
+              <a:rPr lang="ru-RU"/>
+              <a:t>2)Список городов для выбоа</a:t>
+            </a:r>
+            <a:endParaRPr lang="ru-RU" dirty="0"/>
           </a:p>
         </p:txBody>
       </p:sp>
     </p:spTree>
     <p:extLst>
       <p:ext uri="{BB962C8B-B14F-4D97-AF65-F5344CB8AC3E}">
-        <p14:creationId xmlns:p14="http://schemas.microsoft.com/office/powerpoint/2010/main" val="3599059396"/>
+        <p14:creationId xmlns:p14="http://schemas.microsoft.com/office/powerpoint/2010/main" val="38836801"/>
       </p:ext>
     </p:extLst>
   </p:cSld>
@@ -6750,7 +6743,7 @@
           <p:cNvPr id="4" name="Рисунок 4">
             <a:extLst>
               <a:ext uri="{FF2B5EF4-FFF2-40B4-BE49-F238E27FC236}">
-                <a16:creationId xmlns:a16="http://schemas.microsoft.com/office/drawing/2014/main" id="{4BB8D9DD-3AD1-4543-B19E-CD2C81A96D58}"/>
+                <a16:creationId xmlns:a16="http://schemas.microsoft.com/office/drawing/2014/main" id="{40ECAF14-3137-4F08-907D-405977A91E24}"/>
               </a:ext>
             </a:extLst>
           </p:cNvPr>
@@ -6769,8 +6762,8 @@
         </p:blipFill>
         <p:spPr>
           <a:xfrm>
-            <a:off x="9475919" y="38657"/>
-            <a:ext cx="2635067" cy="6784051"/>
+            <a:off x="9442665" y="103707"/>
+            <a:ext cx="2525012" cy="6579612"/>
           </a:xfrm>
         </p:spPr>
       </p:pic>
@@ -6779,7 +6772,7 @@
           <p:cNvPr id="5" name="TextBox 4">
             <a:extLst>
               <a:ext uri="{FF2B5EF4-FFF2-40B4-BE49-F238E27FC236}">
-                <a16:creationId xmlns:a16="http://schemas.microsoft.com/office/drawing/2014/main" id="{9D75B570-714D-4AD6-B7CB-59500FB0CE0F}"/>
+                <a16:creationId xmlns:a16="http://schemas.microsoft.com/office/drawing/2014/main" id="{B2A8BFD9-D1EB-463D-B70D-3C001DC43C47}"/>
               </a:ext>
             </a:extLst>
           </p:cNvPr>
@@ -6788,8 +6781,8 @@
         </p:nvSpPr>
         <p:spPr>
           <a:xfrm>
-            <a:off x="189571" y="189571"/>
-            <a:ext cx="4926980" cy="1477328"/>
+            <a:off x="468351" y="310375"/>
+            <a:ext cx="4824761" cy="2031325"/>
           </a:xfrm>
           <a:prstGeom prst="rect">
             <a:avLst/>
@@ -6807,13 +6800,35 @@
           <a:p>
             <a:r>
               <a:rPr lang="ru-RU" dirty="0"/>
-              <a:t>1)Поле для задачи времени через которое сработает таймер и для отображения времени оставшегося до срабатывания</a:t>
+              <a:t>1)Список будильников</a:t>
             </a:r>
           </a:p>
           <a:p>
             <a:r>
               <a:rPr lang="ru-RU" dirty="0"/>
-              <a:t>2)Запустить/остановить таймер</a:t>
+              <a:t>2)Включение/отключение будильника</a:t>
+            </a:r>
+          </a:p>
+          <a:p>
+            <a:r>
+              <a:rPr lang="ru-RU" dirty="0"/>
+              <a:t>3)Время в которое сработает будильник(если он включён)</a:t>
+            </a:r>
+          </a:p>
+          <a:p>
+            <a:r>
+              <a:rPr lang="ru-RU" dirty="0"/>
+              <a:t>4)Удаление будильника</a:t>
+            </a:r>
+          </a:p>
+          <a:p>
+            <a:r>
+              <a:rPr lang="ru-RU" dirty="0"/>
+              <a:t>5)Открытие окна добавления </a:t>
+            </a:r>
+            <a:r>
+              <a:rPr lang="ru-RU"/>
+              <a:t>будильника(на следующем слайде)</a:t>
             </a:r>
           </a:p>
         </p:txBody>
@@ -6821,7 +6836,7 @@
     </p:spTree>
     <p:extLst>
       <p:ext uri="{BB962C8B-B14F-4D97-AF65-F5344CB8AC3E}">
-        <p14:creationId xmlns:p14="http://schemas.microsoft.com/office/powerpoint/2010/main" val="3105065480"/>
+        <p14:creationId xmlns:p14="http://schemas.microsoft.com/office/powerpoint/2010/main" val="3599059396"/>
       </p:ext>
     </p:extLst>
   </p:cSld>
@@ -6850,6 +6865,216 @@
       </p:grpSpPr>
       <p:pic>
         <p:nvPicPr>
+          <p:cNvPr id="4" name="Рисунок 4" descr="Изображение выглядит как текст&#10;&#10;Автоматически созданное описание">
+            <a:extLst>
+              <a:ext uri="{FF2B5EF4-FFF2-40B4-BE49-F238E27FC236}">
+                <a16:creationId xmlns:a16="http://schemas.microsoft.com/office/drawing/2014/main" id="{ED33256E-5C85-497E-A5A2-7F02BD9F550F}"/>
+              </a:ext>
+            </a:extLst>
+          </p:cNvPr>
+          <p:cNvPicPr>
+            <a:picLocks noGrp="1" noChangeAspect="1"/>
+          </p:cNvPicPr>
+          <p:nvPr>
+            <p:ph idx="1"/>
+          </p:nvPr>
+        </p:nvPicPr>
+        <p:blipFill>
+          <a:blip r:embed="rId2"/>
+          <a:stretch>
+            <a:fillRect/>
+          </a:stretch>
+        </p:blipFill>
+        <p:spPr>
+          <a:xfrm>
+            <a:off x="8066862" y="158963"/>
+            <a:ext cx="3600450" cy="2019300"/>
+          </a:xfrm>
+        </p:spPr>
+      </p:pic>
+      <p:sp>
+        <p:nvSpPr>
+          <p:cNvPr id="5" name="TextBox 4">
+            <a:extLst>
+              <a:ext uri="{FF2B5EF4-FFF2-40B4-BE49-F238E27FC236}">
+                <a16:creationId xmlns:a16="http://schemas.microsoft.com/office/drawing/2014/main" id="{3E74542E-47FE-4AA0-8D6A-8C8F21996D7F}"/>
+              </a:ext>
+            </a:extLst>
+          </p:cNvPr>
+          <p:cNvSpPr txBox="1"/>
+          <p:nvPr/>
+        </p:nvSpPr>
+        <p:spPr>
+          <a:xfrm>
+            <a:off x="384717" y="644912"/>
+            <a:ext cx="4545980" cy="923330"/>
+          </a:xfrm>
+          <a:prstGeom prst="rect">
+            <a:avLst/>
+          </a:prstGeom>
+          <a:noFill/>
+        </p:spPr>
+        <p:txBody>
+          <a:bodyPr rot="0" spcFirstLastPara="0" vertOverflow="overflow" horzOverflow="overflow" vert="horz" wrap="square" lIns="91440" tIns="45720" rIns="91440" bIns="45720" numCol="1" spcCol="0" rtlCol="0" fromWordArt="0" anchor="t" anchorCtr="0" forceAA="0" compatLnSpc="1">
+            <a:prstTxWarp prst="textNoShape">
+              <a:avLst/>
+            </a:prstTxWarp>
+            <a:spAutoFit/>
+          </a:bodyPr>
+          <a:lstStyle/>
+          <a:p>
+            <a:r>
+              <a:rPr lang="ru-RU"/>
+              <a:t>1)Поле задания времени будильника</a:t>
+            </a:r>
+          </a:p>
+          <a:p>
+            <a:r>
+              <a:rPr lang="ru-RU" dirty="0"/>
+              <a:t>2)Кнопка возврата и добавления </a:t>
+            </a:r>
+            <a:r>
+              <a:rPr lang="ru-RU"/>
+              <a:t>будильника в список </a:t>
+            </a:r>
+          </a:p>
+        </p:txBody>
+      </p:sp>
+    </p:spTree>
+    <p:extLst>
+      <p:ext uri="{BB962C8B-B14F-4D97-AF65-F5344CB8AC3E}">
+        <p14:creationId xmlns:p14="http://schemas.microsoft.com/office/powerpoint/2010/main" val="810362546"/>
+      </p:ext>
+    </p:extLst>
+  </p:cSld>
+  <p:clrMapOvr>
+    <a:masterClrMapping/>
+  </p:clrMapOvr>
+</p:sld>
+</file>
+
+<file path=ppt/slides/slide7.xml><?xml version="1.0" encoding="utf-8"?>
+<p:sld xmlns:a="http://schemas.openxmlformats.org/drawingml/2006/main" xmlns:r="http://schemas.openxmlformats.org/officeDocument/2006/relationships" xmlns:p="http://schemas.openxmlformats.org/presentationml/2006/main">
+  <p:cSld>
+    <p:spTree>
+      <p:nvGrpSpPr>
+        <p:cNvPr id="1" name=""/>
+        <p:cNvGrpSpPr/>
+        <p:nvPr/>
+      </p:nvGrpSpPr>
+      <p:grpSpPr>
+        <a:xfrm>
+          <a:off x="0" y="0"/>
+          <a:ext cx="0" cy="0"/>
+          <a:chOff x="0" y="0"/>
+          <a:chExt cx="0" cy="0"/>
+        </a:xfrm>
+      </p:grpSpPr>
+      <p:pic>
+        <p:nvPicPr>
+          <p:cNvPr id="4" name="Рисунок 4">
+            <a:extLst>
+              <a:ext uri="{FF2B5EF4-FFF2-40B4-BE49-F238E27FC236}">
+                <a16:creationId xmlns:a16="http://schemas.microsoft.com/office/drawing/2014/main" id="{4BB8D9DD-3AD1-4543-B19E-CD2C81A96D58}"/>
+              </a:ext>
+            </a:extLst>
+          </p:cNvPr>
+          <p:cNvPicPr>
+            <a:picLocks noGrp="1" noChangeAspect="1"/>
+          </p:cNvPicPr>
+          <p:nvPr>
+            <p:ph idx="1"/>
+          </p:nvPr>
+        </p:nvPicPr>
+        <p:blipFill>
+          <a:blip r:embed="rId2"/>
+          <a:stretch>
+            <a:fillRect/>
+          </a:stretch>
+        </p:blipFill>
+        <p:spPr>
+          <a:xfrm>
+            <a:off x="9475919" y="38657"/>
+            <a:ext cx="2635067" cy="6784051"/>
+          </a:xfrm>
+        </p:spPr>
+      </p:pic>
+      <p:sp>
+        <p:nvSpPr>
+          <p:cNvPr id="5" name="TextBox 4">
+            <a:extLst>
+              <a:ext uri="{FF2B5EF4-FFF2-40B4-BE49-F238E27FC236}">
+                <a16:creationId xmlns:a16="http://schemas.microsoft.com/office/drawing/2014/main" id="{9D75B570-714D-4AD6-B7CB-59500FB0CE0F}"/>
+              </a:ext>
+            </a:extLst>
+          </p:cNvPr>
+          <p:cNvSpPr txBox="1"/>
+          <p:nvPr/>
+        </p:nvSpPr>
+        <p:spPr>
+          <a:xfrm>
+            <a:off x="189571" y="189571"/>
+            <a:ext cx="4926980" cy="1477328"/>
+          </a:xfrm>
+          <a:prstGeom prst="rect">
+            <a:avLst/>
+          </a:prstGeom>
+          <a:noFill/>
+        </p:spPr>
+        <p:txBody>
+          <a:bodyPr rot="0" spcFirstLastPara="0" vertOverflow="overflow" horzOverflow="overflow" vert="horz" wrap="square" lIns="91440" tIns="45720" rIns="91440" bIns="45720" numCol="1" spcCol="0" rtlCol="0" fromWordArt="0" anchor="t" anchorCtr="0" forceAA="0" compatLnSpc="1">
+            <a:prstTxWarp prst="textNoShape">
+              <a:avLst/>
+            </a:prstTxWarp>
+            <a:spAutoFit/>
+          </a:bodyPr>
+          <a:lstStyle/>
+          <a:p>
+            <a:r>
+              <a:rPr lang="ru-RU" dirty="0"/>
+              <a:t>1)Поле для задачи времени через которое сработает таймер и для отображения времени оставшегося до срабатывания</a:t>
+            </a:r>
+          </a:p>
+          <a:p>
+            <a:r>
+              <a:rPr lang="ru-RU" dirty="0"/>
+              <a:t>2)Запустить/остановить таймер</a:t>
+            </a:r>
+          </a:p>
+        </p:txBody>
+      </p:sp>
+    </p:spTree>
+    <p:extLst>
+      <p:ext uri="{BB962C8B-B14F-4D97-AF65-F5344CB8AC3E}">
+        <p14:creationId xmlns:p14="http://schemas.microsoft.com/office/powerpoint/2010/main" val="3105065480"/>
+      </p:ext>
+    </p:extLst>
+  </p:cSld>
+  <p:clrMapOvr>
+    <a:masterClrMapping/>
+  </p:clrMapOvr>
+</p:sld>
+</file>
+
+<file path=ppt/slides/slide8.xml><?xml version="1.0" encoding="utf-8"?>
+<p:sld xmlns:a="http://schemas.openxmlformats.org/drawingml/2006/main" xmlns:r="http://schemas.openxmlformats.org/officeDocument/2006/relationships" xmlns:p="http://schemas.openxmlformats.org/presentationml/2006/main">
+  <p:cSld>
+    <p:spTree>
+      <p:nvGrpSpPr>
+        <p:cNvPr id="1" name=""/>
+        <p:cNvGrpSpPr/>
+        <p:nvPr/>
+      </p:nvGrpSpPr>
+      <p:grpSpPr>
+        <a:xfrm>
+          <a:off x="0" y="0"/>
+          <a:ext cx="0" cy="0"/>
+          <a:chOff x="0" y="0"/>
+          <a:chExt cx="0" cy="0"/>
+        </a:xfrm>
+      </p:grpSpPr>
+      <p:pic>
+        <p:nvPicPr>
           <p:cNvPr id="4" name="Рисунок 4">
             <a:extLst>
               <a:ext uri="{FF2B5EF4-FFF2-40B4-BE49-F238E27FC236}">
@@ -6940,7 +7165,7 @@
 </p:sld>
 </file>
 
-<file path=ppt/slides/slide7.xml><?xml version="1.0" encoding="utf-8"?>
+<file path=ppt/slides/slide9.xml><?xml version="1.0" encoding="utf-8"?>
 <p:sld xmlns:a="http://schemas.openxmlformats.org/drawingml/2006/main" xmlns:r="http://schemas.openxmlformats.org/officeDocument/2006/relationships" xmlns:p="http://schemas.openxmlformats.org/presentationml/2006/main">
   <p:cSld>
     <p:spTree>
